--- a/presentations/gcims_integration_ongoing.pptx
+++ b/presentations/gcims_integration_ongoing.pptx
@@ -5,12 +5,13 @@
     <p:sldMasterId id="2147483684" r:id="rId1"/>
   </p:sldMasterIdLst>
   <p:notesMasterIdLst>
-    <p:notesMasterId r:id="rId5"/>
+    <p:notesMasterId r:id="rId6"/>
   </p:notesMasterIdLst>
   <p:sldIdLst>
     <p:sldId id="256" r:id="rId2"/>
     <p:sldId id="285" r:id="rId3"/>
     <p:sldId id="284" r:id="rId4"/>
+    <p:sldId id="286" r:id="rId5"/>
   </p:sldIdLst>
   <p:sldSz cx="12192000" cy="6858000"/>
   <p:notesSz cx="6858000" cy="9144000"/>
@@ -199,7 +200,7 @@
           <a:p>
             <a:fld id="{07DE9B52-9BBE-4D24-A57C-BAD4F671F5F7}" type="datetimeFigureOut">
               <a:rPr lang="en-US" smtClean="0"/>
-              <a:t>9/6/2022</a:t>
+              <a:t>10/2/2022</a:t>
             </a:fld>
             <a:endParaRPr lang="en-US"/>
           </a:p>
@@ -697,7 +698,7 @@
           <a:p>
             <a:fld id="{678A1B1F-B05B-4935-BC9F-EB193811D8BD}" type="datetimeFigureOut">
               <a:rPr lang="en-US" smtClean="0"/>
-              <a:t>9/6/2022</a:t>
+              <a:t>10/2/2022</a:t>
             </a:fld>
             <a:endParaRPr lang="en-US"/>
           </a:p>
@@ -895,7 +896,7 @@
           <a:p>
             <a:fld id="{678A1B1F-B05B-4935-BC9F-EB193811D8BD}" type="datetimeFigureOut">
               <a:rPr lang="en-US" smtClean="0"/>
-              <a:t>9/6/2022</a:t>
+              <a:t>10/2/2022</a:t>
             </a:fld>
             <a:endParaRPr lang="en-US"/>
           </a:p>
@@ -1103,7 +1104,7 @@
           <a:p>
             <a:fld id="{678A1B1F-B05B-4935-BC9F-EB193811D8BD}" type="datetimeFigureOut">
               <a:rPr lang="en-US" smtClean="0"/>
-              <a:t>9/6/2022</a:t>
+              <a:t>10/2/2022</a:t>
             </a:fld>
             <a:endParaRPr lang="en-US"/>
           </a:p>
@@ -1301,7 +1302,7 @@
           <a:p>
             <a:fld id="{678A1B1F-B05B-4935-BC9F-EB193811D8BD}" type="datetimeFigureOut">
               <a:rPr lang="en-US" smtClean="0"/>
-              <a:t>9/6/2022</a:t>
+              <a:t>10/2/2022</a:t>
             </a:fld>
             <a:endParaRPr lang="en-US"/>
           </a:p>
@@ -1576,7 +1577,7 @@
           <a:p>
             <a:fld id="{678A1B1F-B05B-4935-BC9F-EB193811D8BD}" type="datetimeFigureOut">
               <a:rPr lang="en-US" smtClean="0"/>
-              <a:t>9/6/2022</a:t>
+              <a:t>10/2/2022</a:t>
             </a:fld>
             <a:endParaRPr lang="en-US"/>
           </a:p>
@@ -1841,7 +1842,7 @@
           <a:p>
             <a:fld id="{678A1B1F-B05B-4935-BC9F-EB193811D8BD}" type="datetimeFigureOut">
               <a:rPr lang="en-US" smtClean="0"/>
-              <a:t>9/6/2022</a:t>
+              <a:t>10/2/2022</a:t>
             </a:fld>
             <a:endParaRPr lang="en-US"/>
           </a:p>
@@ -2253,7 +2254,7 @@
           <a:p>
             <a:fld id="{678A1B1F-B05B-4935-BC9F-EB193811D8BD}" type="datetimeFigureOut">
               <a:rPr lang="en-US" smtClean="0"/>
-              <a:t>9/6/2022</a:t>
+              <a:t>10/2/2022</a:t>
             </a:fld>
             <a:endParaRPr lang="en-US"/>
           </a:p>
@@ -2394,7 +2395,7 @@
           <a:p>
             <a:fld id="{678A1B1F-B05B-4935-BC9F-EB193811D8BD}" type="datetimeFigureOut">
               <a:rPr lang="en-US" smtClean="0"/>
-              <a:t>9/6/2022</a:t>
+              <a:t>10/2/2022</a:t>
             </a:fld>
             <a:endParaRPr lang="en-US"/>
           </a:p>
@@ -2507,7 +2508,7 @@
           <a:p>
             <a:fld id="{678A1B1F-B05B-4935-BC9F-EB193811D8BD}" type="datetimeFigureOut">
               <a:rPr lang="en-US" smtClean="0"/>
-              <a:t>9/6/2022</a:t>
+              <a:t>10/2/2022</a:t>
             </a:fld>
             <a:endParaRPr lang="en-US"/>
           </a:p>
@@ -2818,7 +2819,7 @@
           <a:p>
             <a:fld id="{678A1B1F-B05B-4935-BC9F-EB193811D8BD}" type="datetimeFigureOut">
               <a:rPr lang="en-US" smtClean="0"/>
-              <a:t>9/6/2022</a:t>
+              <a:t>10/2/2022</a:t>
             </a:fld>
             <a:endParaRPr lang="en-US"/>
           </a:p>
@@ -3106,7 +3107,7 @@
           <a:p>
             <a:fld id="{678A1B1F-B05B-4935-BC9F-EB193811D8BD}" type="datetimeFigureOut">
               <a:rPr lang="en-US" smtClean="0"/>
-              <a:t>9/6/2022</a:t>
+              <a:t>10/2/2022</a:t>
             </a:fld>
             <a:endParaRPr lang="en-US"/>
           </a:p>
@@ -3347,7 +3348,7 @@
           <a:p>
             <a:fld id="{678A1B1F-B05B-4935-BC9F-EB193811D8BD}" type="datetimeFigureOut">
               <a:rPr lang="en-US" smtClean="0"/>
-              <a:t>9/6/2022</a:t>
+              <a:t>10/2/2022</a:t>
             </a:fld>
             <a:endParaRPr lang="en-US"/>
           </a:p>
@@ -4185,6 +4186,86 @@
     <p:extLst>
       <p:ext uri="{BB962C8B-B14F-4D97-AF65-F5344CB8AC3E}">
         <p14:creationId xmlns:p14="http://schemas.microsoft.com/office/powerpoint/2010/main" val="1587959522"/>
+      </p:ext>
+    </p:extLst>
+  </p:cSld>
+  <p:clrMapOvr>
+    <a:masterClrMapping/>
+  </p:clrMapOvr>
+</p:sld>
+</file>
+
+<file path=ppt/slides/slide4.xml><?xml version="1.0" encoding="utf-8"?>
+<p:sld xmlns:a="http://schemas.openxmlformats.org/drawingml/2006/main" xmlns:r="http://schemas.openxmlformats.org/officeDocument/2006/relationships" xmlns:p="http://schemas.openxmlformats.org/presentationml/2006/main">
+  <p:cSld>
+    <p:spTree>
+      <p:nvGrpSpPr>
+        <p:cNvPr id="1" name=""/>
+        <p:cNvGrpSpPr/>
+        <p:nvPr/>
+      </p:nvGrpSpPr>
+      <p:grpSpPr>
+        <a:xfrm>
+          <a:off x="0" y="0"/>
+          <a:ext cx="0" cy="0"/>
+          <a:chOff x="0" y="0"/>
+          <a:chExt cx="0" cy="0"/>
+        </a:xfrm>
+      </p:grpSpPr>
+      <p:sp>
+        <p:nvSpPr>
+          <p:cNvPr id="2" name="Title 1">
+            <a:extLst>
+              <a:ext uri="{FF2B5EF4-FFF2-40B4-BE49-F238E27FC236}">
+                <a16:creationId xmlns:a16="http://schemas.microsoft.com/office/drawing/2014/main" id="{BF3F3E6D-E24C-4503-96D3-EEDE2597FF3A}"/>
+              </a:ext>
+            </a:extLst>
+          </p:cNvPr>
+          <p:cNvSpPr>
+            <a:spLocks noGrp="1"/>
+          </p:cNvSpPr>
+          <p:nvPr>
+            <p:ph type="title"/>
+          </p:nvPr>
+        </p:nvSpPr>
+        <p:spPr/>
+        <p:txBody>
+          <a:bodyPr/>
+          <a:lstStyle/>
+          <a:p>
+            <a:endParaRPr lang="en-US"/>
+          </a:p>
+        </p:txBody>
+      </p:sp>
+      <p:sp>
+        <p:nvSpPr>
+          <p:cNvPr id="3" name="Content Placeholder 2">
+            <a:extLst>
+              <a:ext uri="{FF2B5EF4-FFF2-40B4-BE49-F238E27FC236}">
+                <a16:creationId xmlns:a16="http://schemas.microsoft.com/office/drawing/2014/main" id="{0BBAF9D7-00FE-4017-A8CA-1F68DBFCC226}"/>
+              </a:ext>
+            </a:extLst>
+          </p:cNvPr>
+          <p:cNvSpPr>
+            <a:spLocks noGrp="1"/>
+          </p:cNvSpPr>
+          <p:nvPr>
+            <p:ph idx="1"/>
+          </p:nvPr>
+        </p:nvSpPr>
+        <p:spPr/>
+        <p:txBody>
+          <a:bodyPr/>
+          <a:lstStyle/>
+          <a:p>
+            <a:endParaRPr lang="en-US"/>
+          </a:p>
+        </p:txBody>
+      </p:sp>
+    </p:spTree>
+    <p:extLst>
+      <p:ext uri="{BB962C8B-B14F-4D97-AF65-F5344CB8AC3E}">
+        <p14:creationId xmlns:p14="http://schemas.microsoft.com/office/powerpoint/2010/main" val="4112083188"/>
       </p:ext>
     </p:extLst>
   </p:cSld>
